--- a/14_tétel.pptx
+++ b/14_tétel.pptx
@@ -4026,6 +4026,135 @@
           </a:p>
         </p:txBody>
       </p:sp>
+      <p:sp>
+        <p:nvSpPr>
+          <p:cNvPr id="3" name="Szövegdoboz 4">
+            <a:extLst>
+              <a:ext uri="{FF2B5EF4-FFF2-40B4-BE49-F238E27FC236}">
+                <a16:creationId xmlns:a16="http://schemas.microsoft.com/office/drawing/2014/main" id="{8F975C24-4A13-4920-8460-1195CF32340C}"/>
+              </a:ext>
+            </a:extLst>
+          </p:cNvPr>
+          <p:cNvSpPr txBox="1"/>
+          <p:nvPr/>
+        </p:nvSpPr>
+        <p:spPr>
+          <a:xfrm>
+            <a:off x="9643161" y="6488668"/>
+            <a:ext cx="2548839" cy="369332"/>
+          </a:xfrm>
+          <a:prstGeom prst="rect">
+            <a:avLst/>
+          </a:prstGeom>
+          <a:noFill/>
+        </p:spPr>
+        <p:txBody>
+          <a:bodyPr wrap="none" rtlCol="0">
+            <a:spAutoFit/>
+          </a:bodyPr>
+          <a:lstStyle>
+            <a:defPPr>
+              <a:defRPr lang="hu-HU"/>
+            </a:defPPr>
+            <a:lvl1pPr marL="0" algn="l" defTabSz="914400" rtl="0" eaLnBrk="1" latinLnBrk="0" hangingPunct="1">
+              <a:defRPr sz="1800" kern="1200">
+                <a:solidFill>
+                  <a:schemeClr val="tx1"/>
+                </a:solidFill>
+                <a:latin typeface="+mn-lt"/>
+                <a:ea typeface="+mn-ea"/>
+                <a:cs typeface="+mn-cs"/>
+              </a:defRPr>
+            </a:lvl1pPr>
+            <a:lvl2pPr marL="457200" algn="l" defTabSz="914400" rtl="0" eaLnBrk="1" latinLnBrk="0" hangingPunct="1">
+              <a:defRPr sz="1800" kern="1200">
+                <a:solidFill>
+                  <a:schemeClr val="tx1"/>
+                </a:solidFill>
+                <a:latin typeface="+mn-lt"/>
+                <a:ea typeface="+mn-ea"/>
+                <a:cs typeface="+mn-cs"/>
+              </a:defRPr>
+            </a:lvl2pPr>
+            <a:lvl3pPr marL="914400" algn="l" defTabSz="914400" rtl="0" eaLnBrk="1" latinLnBrk="0" hangingPunct="1">
+              <a:defRPr sz="1800" kern="1200">
+                <a:solidFill>
+                  <a:schemeClr val="tx1"/>
+                </a:solidFill>
+                <a:latin typeface="+mn-lt"/>
+                <a:ea typeface="+mn-ea"/>
+                <a:cs typeface="+mn-cs"/>
+              </a:defRPr>
+            </a:lvl3pPr>
+            <a:lvl4pPr marL="1371600" algn="l" defTabSz="914400" rtl="0" eaLnBrk="1" latinLnBrk="0" hangingPunct="1">
+              <a:defRPr sz="1800" kern="1200">
+                <a:solidFill>
+                  <a:schemeClr val="tx1"/>
+                </a:solidFill>
+                <a:latin typeface="+mn-lt"/>
+                <a:ea typeface="+mn-ea"/>
+                <a:cs typeface="+mn-cs"/>
+              </a:defRPr>
+            </a:lvl4pPr>
+            <a:lvl5pPr marL="1828800" algn="l" defTabSz="914400" rtl="0" eaLnBrk="1" latinLnBrk="0" hangingPunct="1">
+              <a:defRPr sz="1800" kern="1200">
+                <a:solidFill>
+                  <a:schemeClr val="tx1"/>
+                </a:solidFill>
+                <a:latin typeface="+mn-lt"/>
+                <a:ea typeface="+mn-ea"/>
+                <a:cs typeface="+mn-cs"/>
+              </a:defRPr>
+            </a:lvl5pPr>
+            <a:lvl6pPr marL="2286000" algn="l" defTabSz="914400" rtl="0" eaLnBrk="1" latinLnBrk="0" hangingPunct="1">
+              <a:defRPr sz="1800" kern="1200">
+                <a:solidFill>
+                  <a:schemeClr val="tx1"/>
+                </a:solidFill>
+                <a:latin typeface="+mn-lt"/>
+                <a:ea typeface="+mn-ea"/>
+                <a:cs typeface="+mn-cs"/>
+              </a:defRPr>
+            </a:lvl6pPr>
+            <a:lvl7pPr marL="2743200" algn="l" defTabSz="914400" rtl="0" eaLnBrk="1" latinLnBrk="0" hangingPunct="1">
+              <a:defRPr sz="1800" kern="1200">
+                <a:solidFill>
+                  <a:schemeClr val="tx1"/>
+                </a:solidFill>
+                <a:latin typeface="+mn-lt"/>
+                <a:ea typeface="+mn-ea"/>
+                <a:cs typeface="+mn-cs"/>
+              </a:defRPr>
+            </a:lvl7pPr>
+            <a:lvl8pPr marL="3200400" algn="l" defTabSz="914400" rtl="0" eaLnBrk="1" latinLnBrk="0" hangingPunct="1">
+              <a:defRPr sz="1800" kern="1200">
+                <a:solidFill>
+                  <a:schemeClr val="tx1"/>
+                </a:solidFill>
+                <a:latin typeface="+mn-lt"/>
+                <a:ea typeface="+mn-ea"/>
+                <a:cs typeface="+mn-cs"/>
+              </a:defRPr>
+            </a:lvl8pPr>
+            <a:lvl9pPr marL="3657600" algn="l" defTabSz="914400" rtl="0" eaLnBrk="1" latinLnBrk="0" hangingPunct="1">
+              <a:defRPr sz="1800" kern="1200">
+                <a:solidFill>
+                  <a:schemeClr val="tx1"/>
+                </a:solidFill>
+                <a:latin typeface="+mn-lt"/>
+                <a:ea typeface="+mn-ea"/>
+                <a:cs typeface="+mn-cs"/>
+              </a:defRPr>
+            </a:lvl9pPr>
+          </a:lstStyle>
+          <a:p>
+            <a:r>
+              <a:rPr lang="hu-HU" dirty="0"/>
+              <a:t>Mester Johannes William</a:t>
+            </a:r>
+          </a:p>
+        </p:txBody>
+      </p:sp>
     </p:spTree>
     <p:extLst>
       <p:ext uri="{BB962C8B-B14F-4D97-AF65-F5344CB8AC3E}">
@@ -4036,13 +4165,13 @@
   <p:clrMapOvr>
     <a:masterClrMapping/>
   </p:clrMapOvr>
-  <mc:AlternateContent xmlns:mc="http://schemas.openxmlformats.org/markup-compatibility/2006">
-    <mc:Choice xmlns:p159="http://schemas.microsoft.com/office/powerpoint/2015/09/main" Requires="p159">
+  <mc:AlternateContent xmlns:mc="http://schemas.openxmlformats.org/markup-compatibility/2006" xmlns:p159="http://schemas.microsoft.com/office/powerpoint/2015/09/main">
+    <mc:Choice Requires="p159">
       <p:transition xmlns:p14="http://schemas.microsoft.com/office/powerpoint/2010/main" spd="slow" p14:dur="2000">
         <p159:morph option="byChar"/>
       </p:transition>
     </mc:Choice>
-    <mc:Fallback>
+    <mc:Fallback xmlns="">
       <p:transition spd="slow">
         <p:fade/>
       </p:transition>
@@ -4321,13 +4450,13 @@
   <p:clrMapOvr>
     <a:masterClrMapping/>
   </p:clrMapOvr>
-  <mc:AlternateContent xmlns:mc="http://schemas.openxmlformats.org/markup-compatibility/2006">
-    <mc:Choice xmlns:p159="http://schemas.microsoft.com/office/powerpoint/2015/09/main" Requires="p159">
+  <mc:AlternateContent xmlns:mc="http://schemas.openxmlformats.org/markup-compatibility/2006" xmlns:p159="http://schemas.microsoft.com/office/powerpoint/2015/09/main">
+    <mc:Choice Requires="p159">
       <p:transition xmlns:p14="http://schemas.microsoft.com/office/powerpoint/2010/main" spd="slow" p14:dur="2000">
         <p159:morph option="byChar"/>
       </p:transition>
     </mc:Choice>
-    <mc:Fallback>
+    <mc:Fallback xmlns="">
       <p:transition spd="slow">
         <p:fade/>
       </p:transition>
@@ -5187,13 +5316,13 @@
   <p:clrMapOvr>
     <a:masterClrMapping/>
   </p:clrMapOvr>
-  <mc:AlternateContent xmlns:mc="http://schemas.openxmlformats.org/markup-compatibility/2006">
-    <mc:Choice xmlns:p159="http://schemas.microsoft.com/office/powerpoint/2015/09/main" Requires="p159">
+  <mc:AlternateContent xmlns:mc="http://schemas.openxmlformats.org/markup-compatibility/2006" xmlns:p159="http://schemas.microsoft.com/office/powerpoint/2015/09/main">
+    <mc:Choice Requires="p159">
       <p:transition xmlns:p14="http://schemas.microsoft.com/office/powerpoint/2010/main" spd="slow" p14:dur="2000">
         <p159:morph option="byChar"/>
       </p:transition>
     </mc:Choice>
-    <mc:Fallback>
+    <mc:Fallback xmlns="">
       <p:transition spd="slow">
         <p:fade/>
       </p:transition>
@@ -5668,13 +5797,13 @@
   <p:clrMapOvr>
     <a:masterClrMapping/>
   </p:clrMapOvr>
-  <mc:AlternateContent xmlns:mc="http://schemas.openxmlformats.org/markup-compatibility/2006">
-    <mc:Choice xmlns:p159="http://schemas.microsoft.com/office/powerpoint/2015/09/main" Requires="p159">
+  <mc:AlternateContent xmlns:mc="http://schemas.openxmlformats.org/markup-compatibility/2006" xmlns:p159="http://schemas.microsoft.com/office/powerpoint/2015/09/main">
+    <mc:Choice Requires="p159">
       <p:transition xmlns:p14="http://schemas.microsoft.com/office/powerpoint/2010/main" spd="slow" p14:dur="2000">
         <p159:morph option="byChar"/>
       </p:transition>
     </mc:Choice>
-    <mc:Fallback>
+    <mc:Fallback xmlns="">
       <p:transition spd="slow">
         <p:fade/>
       </p:transition>
@@ -6790,13 +6919,13 @@
   <p:clrMapOvr>
     <a:masterClrMapping/>
   </p:clrMapOvr>
-  <mc:AlternateContent xmlns:mc="http://schemas.openxmlformats.org/markup-compatibility/2006">
-    <mc:Choice xmlns:p159="http://schemas.microsoft.com/office/powerpoint/2015/09/main" Requires="p159">
+  <mc:AlternateContent xmlns:mc="http://schemas.openxmlformats.org/markup-compatibility/2006" xmlns:p159="http://schemas.microsoft.com/office/powerpoint/2015/09/main">
+    <mc:Choice Requires="p159">
       <p:transition xmlns:p14="http://schemas.microsoft.com/office/powerpoint/2010/main" spd="slow" p14:dur="2000">
         <p159:morph option="byChar"/>
       </p:transition>
     </mc:Choice>
-    <mc:Fallback>
+    <mc:Fallback xmlns="">
       <p:transition spd="slow">
         <p:fade/>
       </p:transition>
@@ -7217,13 +7346,13 @@
   <p:clrMapOvr>
     <a:masterClrMapping/>
   </p:clrMapOvr>
-  <mc:AlternateContent xmlns:mc="http://schemas.openxmlformats.org/markup-compatibility/2006">
-    <mc:Choice xmlns:p159="http://schemas.microsoft.com/office/powerpoint/2015/09/main" Requires="p159">
+  <mc:AlternateContent xmlns:mc="http://schemas.openxmlformats.org/markup-compatibility/2006" xmlns:p159="http://schemas.microsoft.com/office/powerpoint/2015/09/main">
+    <mc:Choice Requires="p159">
       <p:transition xmlns:p14="http://schemas.microsoft.com/office/powerpoint/2010/main" spd="slow" p14:dur="2000">
         <p159:morph option="byChar"/>
       </p:transition>
     </mc:Choice>
-    <mc:Fallback>
+    <mc:Fallback xmlns="">
       <p:transition spd="slow">
         <p:fade/>
       </p:transition>
@@ -7832,13 +7961,13 @@
   <p:clrMapOvr>
     <a:masterClrMapping/>
   </p:clrMapOvr>
-  <mc:AlternateContent xmlns:mc="http://schemas.openxmlformats.org/markup-compatibility/2006">
-    <mc:Choice xmlns:p159="http://schemas.microsoft.com/office/powerpoint/2015/09/main" Requires="p159">
+  <mc:AlternateContent xmlns:mc="http://schemas.openxmlformats.org/markup-compatibility/2006" xmlns:p159="http://schemas.microsoft.com/office/powerpoint/2015/09/main">
+    <mc:Choice Requires="p159">
       <p:transition xmlns:p14="http://schemas.microsoft.com/office/powerpoint/2010/main" spd="slow" p14:dur="2000">
         <p159:morph option="byChar"/>
       </p:transition>
     </mc:Choice>
-    <mc:Fallback>
+    <mc:Fallback xmlns="">
       <p:transition spd="slow">
         <p:fade/>
       </p:transition>
@@ -8329,13 +8458,13 @@
   <p:clrMapOvr>
     <a:masterClrMapping/>
   </p:clrMapOvr>
-  <mc:AlternateContent xmlns:mc="http://schemas.openxmlformats.org/markup-compatibility/2006">
-    <mc:Choice xmlns:p159="http://schemas.microsoft.com/office/powerpoint/2015/09/main" Requires="p159">
+  <mc:AlternateContent xmlns:mc="http://schemas.openxmlformats.org/markup-compatibility/2006" xmlns:p159="http://schemas.microsoft.com/office/powerpoint/2015/09/main">
+    <mc:Choice Requires="p159">
       <p:transition xmlns:p14="http://schemas.microsoft.com/office/powerpoint/2010/main" spd="slow" p14:dur="2000">
         <p159:morph option="byChar"/>
       </p:transition>
     </mc:Choice>
-    <mc:Fallback>
+    <mc:Fallback xmlns="">
       <p:transition spd="slow">
         <p:fade/>
       </p:transition>
